--- a/java/TP-design-patterns/handson-3-design-patterns.pptx
+++ b/java/TP-design-patterns/handson-3-design-patterns.pptx
@@ -289,7 +289,7 @@
           <a:p>
             <a:fld id="{ABCA11E2-51F6-4FA1-B95E-47B2008B54C3}" type="datetimeFigureOut">
               <a:rPr lang="fr-FR" smtClean="0"/>
-              <a:t>02/02/2023</a:t>
+              <a:t>29/03/2023</a:t>
             </a:fld>
             <a:endParaRPr lang="fr-FR"/>
           </a:p>
@@ -489,7 +489,7 @@
           <a:p>
             <a:fld id="{ABCA11E2-51F6-4FA1-B95E-47B2008B54C3}" type="datetimeFigureOut">
               <a:rPr lang="fr-FR" smtClean="0"/>
-              <a:t>02/02/2023</a:t>
+              <a:t>29/03/2023</a:t>
             </a:fld>
             <a:endParaRPr lang="fr-FR"/>
           </a:p>
@@ -699,7 +699,7 @@
           <a:p>
             <a:fld id="{ABCA11E2-51F6-4FA1-B95E-47B2008B54C3}" type="datetimeFigureOut">
               <a:rPr lang="fr-FR" smtClean="0"/>
-              <a:t>02/02/2023</a:t>
+              <a:t>29/03/2023</a:t>
             </a:fld>
             <a:endParaRPr lang="fr-FR"/>
           </a:p>
@@ -899,7 +899,7 @@
           <a:p>
             <a:fld id="{ABCA11E2-51F6-4FA1-B95E-47B2008B54C3}" type="datetimeFigureOut">
               <a:rPr lang="fr-FR" smtClean="0"/>
-              <a:t>02/02/2023</a:t>
+              <a:t>29/03/2023</a:t>
             </a:fld>
             <a:endParaRPr lang="fr-FR"/>
           </a:p>
@@ -1175,7 +1175,7 @@
           <a:p>
             <a:fld id="{ABCA11E2-51F6-4FA1-B95E-47B2008B54C3}" type="datetimeFigureOut">
               <a:rPr lang="fr-FR" smtClean="0"/>
-              <a:t>02/02/2023</a:t>
+              <a:t>29/03/2023</a:t>
             </a:fld>
             <a:endParaRPr lang="fr-FR"/>
           </a:p>
@@ -1443,7 +1443,7 @@
           <a:p>
             <a:fld id="{ABCA11E2-51F6-4FA1-B95E-47B2008B54C3}" type="datetimeFigureOut">
               <a:rPr lang="fr-FR" smtClean="0"/>
-              <a:t>02/02/2023</a:t>
+              <a:t>29/03/2023</a:t>
             </a:fld>
             <a:endParaRPr lang="fr-FR"/>
           </a:p>
@@ -1858,7 +1858,7 @@
           <a:p>
             <a:fld id="{ABCA11E2-51F6-4FA1-B95E-47B2008B54C3}" type="datetimeFigureOut">
               <a:rPr lang="fr-FR" smtClean="0"/>
-              <a:t>02/02/2023</a:t>
+              <a:t>29/03/2023</a:t>
             </a:fld>
             <a:endParaRPr lang="fr-FR"/>
           </a:p>
@@ -2000,7 +2000,7 @@
           <a:p>
             <a:fld id="{ABCA11E2-51F6-4FA1-B95E-47B2008B54C3}" type="datetimeFigureOut">
               <a:rPr lang="fr-FR" smtClean="0"/>
-              <a:t>02/02/2023</a:t>
+              <a:t>29/03/2023</a:t>
             </a:fld>
             <a:endParaRPr lang="fr-FR"/>
           </a:p>
@@ -2113,7 +2113,7 @@
           <a:p>
             <a:fld id="{ABCA11E2-51F6-4FA1-B95E-47B2008B54C3}" type="datetimeFigureOut">
               <a:rPr lang="fr-FR" smtClean="0"/>
-              <a:t>02/02/2023</a:t>
+              <a:t>29/03/2023</a:t>
             </a:fld>
             <a:endParaRPr lang="fr-FR"/>
           </a:p>
@@ -2426,7 +2426,7 @@
           <a:p>
             <a:fld id="{ABCA11E2-51F6-4FA1-B95E-47B2008B54C3}" type="datetimeFigureOut">
               <a:rPr lang="fr-FR" smtClean="0"/>
-              <a:t>02/02/2023</a:t>
+              <a:t>29/03/2023</a:t>
             </a:fld>
             <a:endParaRPr lang="fr-FR"/>
           </a:p>
@@ -2715,7 +2715,7 @@
           <a:p>
             <a:fld id="{ABCA11E2-51F6-4FA1-B95E-47B2008B54C3}" type="datetimeFigureOut">
               <a:rPr lang="fr-FR" smtClean="0"/>
-              <a:t>02/02/2023</a:t>
+              <a:t>29/03/2023</a:t>
             </a:fld>
             <a:endParaRPr lang="fr-FR"/>
           </a:p>
@@ -2958,7 +2958,7 @@
           <a:p>
             <a:fld id="{ABCA11E2-51F6-4FA1-B95E-47B2008B54C3}" type="datetimeFigureOut">
               <a:rPr lang="fr-FR" smtClean="0"/>
-              <a:t>02/02/2023</a:t>
+              <a:t>29/03/2023</a:t>
             </a:fld>
             <a:endParaRPr lang="fr-FR"/>
           </a:p>
@@ -8636,7 +8636,7 @@
             </a:r>
             <a:r>
               <a:rPr lang="fr-FR" dirty="0" err="1"/>
-              <a:t>Publish&amp;Subscrib</a:t>
+              <a:t>Publish&amp;Subscribe</a:t>
             </a:r>
             <a:endParaRPr lang="fr-FR" dirty="0"/>
           </a:p>

--- a/java/TP-design-patterns/handson-3-design-patterns.pptx
+++ b/java/TP-design-patterns/handson-3-design-patterns.pptx
@@ -31,9 +31,6 @@
     <p:sldId id="267" r:id="rId25"/>
     <p:sldId id="269" r:id="rId26"/>
     <p:sldId id="274" r:id="rId27"/>
-    <p:sldId id="271" r:id="rId28"/>
-    <p:sldId id="272" r:id="rId29"/>
-    <p:sldId id="273" r:id="rId30"/>
   </p:sldIdLst>
   <p:sldSz cx="12192000" cy="6858000"/>
   <p:notesSz cx="6858000" cy="9144000"/>
@@ -289,7 +286,7 @@
           <a:p>
             <a:fld id="{ABCA11E2-51F6-4FA1-B95E-47B2008B54C3}" type="datetimeFigureOut">
               <a:rPr lang="fr-FR" smtClean="0"/>
-              <a:t>29/03/2023</a:t>
+              <a:t>01/04/2023</a:t>
             </a:fld>
             <a:endParaRPr lang="fr-FR"/>
           </a:p>
@@ -489,7 +486,7 @@
           <a:p>
             <a:fld id="{ABCA11E2-51F6-4FA1-B95E-47B2008B54C3}" type="datetimeFigureOut">
               <a:rPr lang="fr-FR" smtClean="0"/>
-              <a:t>29/03/2023</a:t>
+              <a:t>01/04/2023</a:t>
             </a:fld>
             <a:endParaRPr lang="fr-FR"/>
           </a:p>
@@ -699,7 +696,7 @@
           <a:p>
             <a:fld id="{ABCA11E2-51F6-4FA1-B95E-47B2008B54C3}" type="datetimeFigureOut">
               <a:rPr lang="fr-FR" smtClean="0"/>
-              <a:t>29/03/2023</a:t>
+              <a:t>01/04/2023</a:t>
             </a:fld>
             <a:endParaRPr lang="fr-FR"/>
           </a:p>
@@ -899,7 +896,7 @@
           <a:p>
             <a:fld id="{ABCA11E2-51F6-4FA1-B95E-47B2008B54C3}" type="datetimeFigureOut">
               <a:rPr lang="fr-FR" smtClean="0"/>
-              <a:t>29/03/2023</a:t>
+              <a:t>01/04/2023</a:t>
             </a:fld>
             <a:endParaRPr lang="fr-FR"/>
           </a:p>
@@ -1175,7 +1172,7 @@
           <a:p>
             <a:fld id="{ABCA11E2-51F6-4FA1-B95E-47B2008B54C3}" type="datetimeFigureOut">
               <a:rPr lang="fr-FR" smtClean="0"/>
-              <a:t>29/03/2023</a:t>
+              <a:t>01/04/2023</a:t>
             </a:fld>
             <a:endParaRPr lang="fr-FR"/>
           </a:p>
@@ -1443,7 +1440,7 @@
           <a:p>
             <a:fld id="{ABCA11E2-51F6-4FA1-B95E-47B2008B54C3}" type="datetimeFigureOut">
               <a:rPr lang="fr-FR" smtClean="0"/>
-              <a:t>29/03/2023</a:t>
+              <a:t>01/04/2023</a:t>
             </a:fld>
             <a:endParaRPr lang="fr-FR"/>
           </a:p>
@@ -1858,7 +1855,7 @@
           <a:p>
             <a:fld id="{ABCA11E2-51F6-4FA1-B95E-47B2008B54C3}" type="datetimeFigureOut">
               <a:rPr lang="fr-FR" smtClean="0"/>
-              <a:t>29/03/2023</a:t>
+              <a:t>01/04/2023</a:t>
             </a:fld>
             <a:endParaRPr lang="fr-FR"/>
           </a:p>
@@ -2000,7 +1997,7 @@
           <a:p>
             <a:fld id="{ABCA11E2-51F6-4FA1-B95E-47B2008B54C3}" type="datetimeFigureOut">
               <a:rPr lang="fr-FR" smtClean="0"/>
-              <a:t>29/03/2023</a:t>
+              <a:t>01/04/2023</a:t>
             </a:fld>
             <a:endParaRPr lang="fr-FR"/>
           </a:p>
@@ -2113,7 +2110,7 @@
           <a:p>
             <a:fld id="{ABCA11E2-51F6-4FA1-B95E-47B2008B54C3}" type="datetimeFigureOut">
               <a:rPr lang="fr-FR" smtClean="0"/>
-              <a:t>29/03/2023</a:t>
+              <a:t>01/04/2023</a:t>
             </a:fld>
             <a:endParaRPr lang="fr-FR"/>
           </a:p>
@@ -2426,7 +2423,7 @@
           <a:p>
             <a:fld id="{ABCA11E2-51F6-4FA1-B95E-47B2008B54C3}" type="datetimeFigureOut">
               <a:rPr lang="fr-FR" smtClean="0"/>
-              <a:t>29/03/2023</a:t>
+              <a:t>01/04/2023</a:t>
             </a:fld>
             <a:endParaRPr lang="fr-FR"/>
           </a:p>
@@ -2715,7 +2712,7 @@
           <a:p>
             <a:fld id="{ABCA11E2-51F6-4FA1-B95E-47B2008B54C3}" type="datetimeFigureOut">
               <a:rPr lang="fr-FR" smtClean="0"/>
-              <a:t>29/03/2023</a:t>
+              <a:t>01/04/2023</a:t>
             </a:fld>
             <a:endParaRPr lang="fr-FR"/>
           </a:p>
@@ -2958,7 +2955,7 @@
           <a:p>
             <a:fld id="{ABCA11E2-51F6-4FA1-B95E-47B2008B54C3}" type="datetimeFigureOut">
               <a:rPr lang="fr-FR" smtClean="0"/>
-              <a:t>29/03/2023</a:t>
+              <a:t>01/04/2023</a:t>
             </a:fld>
             <a:endParaRPr lang="fr-FR"/>
           </a:p>
@@ -12497,174 +12494,6 @@
 </p:sld>
 </file>
 
-<file path=ppt/slides/slide27.xml><?xml version="1.0" encoding="utf-8"?>
-<p:sld xmlns:a="http://schemas.openxmlformats.org/drawingml/2006/main" xmlns:r="http://schemas.openxmlformats.org/officeDocument/2006/relationships" xmlns:p="http://schemas.openxmlformats.org/presentationml/2006/main">
-  <p:cSld>
-    <p:spTree>
-      <p:nvGrpSpPr>
-        <p:cNvPr id="1" name=""/>
-        <p:cNvGrpSpPr/>
-        <p:nvPr/>
-      </p:nvGrpSpPr>
-      <p:grpSpPr>
-        <a:xfrm>
-          <a:off x="0" y="0"/>
-          <a:ext cx="0" cy="0"/>
-          <a:chOff x="0" y="0"/>
-          <a:chExt cx="0" cy="0"/>
-        </a:xfrm>
-      </p:grpSpPr>
-      <p:sp>
-        <p:nvSpPr>
-          <p:cNvPr id="2" name="Title 1">
-            <a:extLst>
-              <a:ext uri="{FF2B5EF4-FFF2-40B4-BE49-F238E27FC236}">
-                <a16:creationId xmlns:a16="http://schemas.microsoft.com/office/drawing/2014/main" id="{AEF4398B-3845-8B3D-ACD3-C360D262C58A}"/>
-              </a:ext>
-            </a:extLst>
-          </p:cNvPr>
-          <p:cNvSpPr>
-            <a:spLocks noGrp="1"/>
-          </p:cNvSpPr>
-          <p:nvPr>
-            <p:ph type="title"/>
-          </p:nvPr>
-        </p:nvSpPr>
-        <p:spPr/>
-        <p:txBody>
-          <a:bodyPr/>
-          <a:lstStyle/>
-          <a:p>
-            <a:pPr algn="ctr"/>
-            <a:endParaRPr lang="fr-FR" dirty="0"/>
-          </a:p>
-        </p:txBody>
-      </p:sp>
-    </p:spTree>
-    <p:extLst>
-      <p:ext uri="{BB962C8B-B14F-4D97-AF65-F5344CB8AC3E}">
-        <p14:creationId xmlns:p14="http://schemas.microsoft.com/office/powerpoint/2010/main" val="231005587"/>
-      </p:ext>
-    </p:extLst>
-  </p:cSld>
-  <p:clrMapOvr>
-    <a:masterClrMapping/>
-  </p:clrMapOvr>
-</p:sld>
-</file>
-
-<file path=ppt/slides/slide28.xml><?xml version="1.0" encoding="utf-8"?>
-<p:sld xmlns:a="http://schemas.openxmlformats.org/drawingml/2006/main" xmlns:r="http://schemas.openxmlformats.org/officeDocument/2006/relationships" xmlns:p="http://schemas.openxmlformats.org/presentationml/2006/main">
-  <p:cSld>
-    <p:spTree>
-      <p:nvGrpSpPr>
-        <p:cNvPr id="1" name=""/>
-        <p:cNvGrpSpPr/>
-        <p:nvPr/>
-      </p:nvGrpSpPr>
-      <p:grpSpPr>
-        <a:xfrm>
-          <a:off x="0" y="0"/>
-          <a:ext cx="0" cy="0"/>
-          <a:chOff x="0" y="0"/>
-          <a:chExt cx="0" cy="0"/>
-        </a:xfrm>
-      </p:grpSpPr>
-      <p:sp>
-        <p:nvSpPr>
-          <p:cNvPr id="2" name="Title 1">
-            <a:extLst>
-              <a:ext uri="{FF2B5EF4-FFF2-40B4-BE49-F238E27FC236}">
-                <a16:creationId xmlns:a16="http://schemas.microsoft.com/office/drawing/2014/main" id="{AEF4398B-3845-8B3D-ACD3-C360D262C58A}"/>
-              </a:ext>
-            </a:extLst>
-          </p:cNvPr>
-          <p:cNvSpPr>
-            <a:spLocks noGrp="1"/>
-          </p:cNvSpPr>
-          <p:nvPr>
-            <p:ph type="title"/>
-          </p:nvPr>
-        </p:nvSpPr>
-        <p:spPr/>
-        <p:txBody>
-          <a:bodyPr/>
-          <a:lstStyle/>
-          <a:p>
-            <a:pPr algn="ctr"/>
-            <a:endParaRPr lang="fr-FR" dirty="0"/>
-          </a:p>
-        </p:txBody>
-      </p:sp>
-    </p:spTree>
-    <p:extLst>
-      <p:ext uri="{BB962C8B-B14F-4D97-AF65-F5344CB8AC3E}">
-        <p14:creationId xmlns:p14="http://schemas.microsoft.com/office/powerpoint/2010/main" val="2031801857"/>
-      </p:ext>
-    </p:extLst>
-  </p:cSld>
-  <p:clrMapOvr>
-    <a:masterClrMapping/>
-  </p:clrMapOvr>
-</p:sld>
-</file>
-
-<file path=ppt/slides/slide29.xml><?xml version="1.0" encoding="utf-8"?>
-<p:sld xmlns:a="http://schemas.openxmlformats.org/drawingml/2006/main" xmlns:r="http://schemas.openxmlformats.org/officeDocument/2006/relationships" xmlns:p="http://schemas.openxmlformats.org/presentationml/2006/main">
-  <p:cSld>
-    <p:spTree>
-      <p:nvGrpSpPr>
-        <p:cNvPr id="1" name=""/>
-        <p:cNvGrpSpPr/>
-        <p:nvPr/>
-      </p:nvGrpSpPr>
-      <p:grpSpPr>
-        <a:xfrm>
-          <a:off x="0" y="0"/>
-          <a:ext cx="0" cy="0"/>
-          <a:chOff x="0" y="0"/>
-          <a:chExt cx="0" cy="0"/>
-        </a:xfrm>
-      </p:grpSpPr>
-      <p:sp>
-        <p:nvSpPr>
-          <p:cNvPr id="2" name="Title 1">
-            <a:extLst>
-              <a:ext uri="{FF2B5EF4-FFF2-40B4-BE49-F238E27FC236}">
-                <a16:creationId xmlns:a16="http://schemas.microsoft.com/office/drawing/2014/main" id="{AEF4398B-3845-8B3D-ACD3-C360D262C58A}"/>
-              </a:ext>
-            </a:extLst>
-          </p:cNvPr>
-          <p:cNvSpPr>
-            <a:spLocks noGrp="1"/>
-          </p:cNvSpPr>
-          <p:nvPr>
-            <p:ph type="title"/>
-          </p:nvPr>
-        </p:nvSpPr>
-        <p:spPr/>
-        <p:txBody>
-          <a:bodyPr/>
-          <a:lstStyle/>
-          <a:p>
-            <a:pPr algn="ctr"/>
-            <a:endParaRPr lang="fr-FR" dirty="0"/>
-          </a:p>
-        </p:txBody>
-      </p:sp>
-    </p:spTree>
-    <p:extLst>
-      <p:ext uri="{BB962C8B-B14F-4D97-AF65-F5344CB8AC3E}">
-        <p14:creationId xmlns:p14="http://schemas.microsoft.com/office/powerpoint/2010/main" val="1162148224"/>
-      </p:ext>
-    </p:extLst>
-  </p:cSld>
-  <p:clrMapOvr>
-    <a:masterClrMapping/>
-  </p:clrMapOvr>
-</p:sld>
-</file>
-
 <file path=ppt/slides/slide3.xml><?xml version="1.0" encoding="utf-8"?>
 <p:sld xmlns:a="http://schemas.openxmlformats.org/drawingml/2006/main" xmlns:r="http://schemas.openxmlformats.org/officeDocument/2006/relationships" xmlns:p="http://schemas.openxmlformats.org/presentationml/2006/main">
   <p:cSld>
